--- a/slides/genai.pptx
+++ b/slides/genai.pptx
@@ -272,7 +272,7 @@
           <a:p>
             <a:fld id="{4B119B76-35C6-F64D-8178-71323961A9B6}" type="datetimeFigureOut">
               <a:rPr lang="en-US" smtClean="0"/>
-              <a:t>7/25/24</a:t>
+              <a:t>12/25/24</a:t>
             </a:fld>
             <a:endParaRPr lang="en-US"/>
           </a:p>
@@ -747,7 +747,7 @@
           <a:p>
             <a:fld id="{4B119B76-35C6-F64D-8178-71323961A9B6}" type="datetimeFigureOut">
               <a:rPr lang="en-US" smtClean="0"/>
-              <a:t>7/25/24</a:t>
+              <a:t>12/25/24</a:t>
             </a:fld>
             <a:endParaRPr lang="en-US"/>
           </a:p>
@@ -1411,6 +1411,393 @@
               <a:rPr lang="en-US" dirty="0"/>
               <a:t>General sketch of Generative AI</a:t>
             </a:r>
+          </a:p>
+        </p:txBody>
+      </p:sp>
+      <p:pic>
+        <p:nvPicPr>
+          <p:cNvPr id="5" name="Picture 4">
+            <a:extLst>
+              <a:ext uri="{FF2B5EF4-FFF2-40B4-BE49-F238E27FC236}">
+                <a16:creationId xmlns:a16="http://schemas.microsoft.com/office/drawing/2014/main" id="{A7D72380-BFCB-7A44-7623-6A5840CD385B}"/>
+              </a:ext>
+            </a:extLst>
+          </p:cNvPr>
+          <p:cNvPicPr>
+            <a:picLocks noChangeAspect="1"/>
+          </p:cNvPicPr>
+          <p:nvPr/>
+        </p:nvPicPr>
+        <p:blipFill>
+          <a:blip r:embed="rId2"/>
+          <a:stretch>
+            <a:fillRect/>
+          </a:stretch>
+        </p:blipFill>
+        <p:spPr>
+          <a:xfrm>
+            <a:off x="932714" y="752843"/>
+            <a:ext cx="1422400" cy="1422400"/>
+          </a:xfrm>
+          <a:prstGeom prst="rect">
+            <a:avLst/>
+          </a:prstGeom>
+        </p:spPr>
+      </p:pic>
+      <p:sp>
+        <p:nvSpPr>
+          <p:cNvPr id="6" name="Oval 5">
+            <a:extLst>
+              <a:ext uri="{FF2B5EF4-FFF2-40B4-BE49-F238E27FC236}">
+                <a16:creationId xmlns:a16="http://schemas.microsoft.com/office/drawing/2014/main" id="{3DFD0DEA-20AE-A73A-C49E-1F9981466B37}"/>
+              </a:ext>
+            </a:extLst>
+          </p:cNvPr>
+          <p:cNvSpPr/>
+          <p:nvPr/>
+        </p:nvSpPr>
+        <p:spPr>
+          <a:xfrm>
+            <a:off x="3384332" y="691055"/>
+            <a:ext cx="1818290" cy="1818290"/>
+          </a:xfrm>
+          <a:prstGeom prst="ellipse">
+            <a:avLst/>
+          </a:prstGeom>
+          <a:solidFill>
+            <a:schemeClr val="tx1"/>
+          </a:solidFill>
+          <a:ln w="57150">
+            <a:solidFill>
+              <a:schemeClr val="bg1"/>
+            </a:solidFill>
+          </a:ln>
+        </p:spPr>
+        <p:style>
+          <a:lnRef idx="2">
+            <a:schemeClr val="accent1">
+              <a:shade val="15000"/>
+            </a:schemeClr>
+          </a:lnRef>
+          <a:fillRef idx="1">
+            <a:schemeClr val="accent1"/>
+          </a:fillRef>
+          <a:effectRef idx="0">
+            <a:schemeClr val="accent1"/>
+          </a:effectRef>
+          <a:fontRef idx="minor">
+            <a:schemeClr val="lt1"/>
+          </a:fontRef>
+        </p:style>
+        <p:txBody>
+          <a:bodyPr rtlCol="0" anchor="ctr"/>
+          <a:lstStyle/>
+          <a:p>
+            <a:pPr algn="ctr"/>
+            <a:endParaRPr lang="en-US" dirty="0"/>
+          </a:p>
+        </p:txBody>
+      </p:sp>
+      <p:pic>
+        <p:nvPicPr>
+          <p:cNvPr id="12" name="Picture 11">
+            <a:extLst>
+              <a:ext uri="{FF2B5EF4-FFF2-40B4-BE49-F238E27FC236}">
+                <a16:creationId xmlns:a16="http://schemas.microsoft.com/office/drawing/2014/main" id="{6DF15E95-62C0-CDF3-15CF-B53B64B0B276}"/>
+              </a:ext>
+            </a:extLst>
+          </p:cNvPr>
+          <p:cNvPicPr>
+            <a:picLocks noChangeAspect="1"/>
+          </p:cNvPicPr>
+          <p:nvPr/>
+        </p:nvPicPr>
+        <p:blipFill>
+          <a:blip r:embed="rId3"/>
+          <a:stretch>
+            <a:fillRect/>
+          </a:stretch>
+        </p:blipFill>
+        <p:spPr>
+          <a:xfrm>
+            <a:off x="5621902" y="920488"/>
+            <a:ext cx="1140927" cy="1087110"/>
+          </a:xfrm>
+          <a:prstGeom prst="rect">
+            <a:avLst/>
+          </a:prstGeom>
+          <a:solidFill>
+            <a:srgbClr val="FF0000"/>
+          </a:solidFill>
+        </p:spPr>
+      </p:pic>
+      <p:sp>
+        <p:nvSpPr>
+          <p:cNvPr id="18" name="Rounded Rectangle 17">
+            <a:extLst>
+              <a:ext uri="{FF2B5EF4-FFF2-40B4-BE49-F238E27FC236}">
+                <a16:creationId xmlns:a16="http://schemas.microsoft.com/office/drawing/2014/main" id="{F33F891E-34CD-5514-9CB8-CA30C940FD4E}"/>
+              </a:ext>
+            </a:extLst>
+          </p:cNvPr>
+          <p:cNvSpPr/>
+          <p:nvPr/>
+        </p:nvSpPr>
+        <p:spPr>
+          <a:xfrm rot="10800000">
+            <a:off x="4491307" y="1313358"/>
+            <a:ext cx="157860" cy="626271"/>
+          </a:xfrm>
+          <a:prstGeom prst="roundRect">
+            <a:avLst>
+              <a:gd name="adj" fmla="val 47121"/>
+            </a:avLst>
+          </a:prstGeom>
+          <a:solidFill>
+            <a:srgbClr val="C00000"/>
+          </a:solidFill>
+          <a:ln>
+            <a:noFill/>
+          </a:ln>
+        </p:spPr>
+        <p:style>
+          <a:lnRef idx="2">
+            <a:schemeClr val="accent1">
+              <a:shade val="15000"/>
+            </a:schemeClr>
+          </a:lnRef>
+          <a:fillRef idx="1">
+            <a:schemeClr val="accent1"/>
+          </a:fillRef>
+          <a:effectRef idx="0">
+            <a:schemeClr val="accent1"/>
+          </a:effectRef>
+          <a:fontRef idx="minor">
+            <a:schemeClr val="lt1"/>
+          </a:fontRef>
+        </p:style>
+        <p:txBody>
+          <a:bodyPr rtlCol="0" anchor="ctr"/>
+          <a:lstStyle/>
+          <a:p>
+            <a:pPr algn="ctr"/>
+            <a:endParaRPr lang="en-US"/>
+          </a:p>
+        </p:txBody>
+      </p:sp>
+      <p:sp>
+        <p:nvSpPr>
+          <p:cNvPr id="19" name="Rounded Rectangle 18">
+            <a:extLst>
+              <a:ext uri="{FF2B5EF4-FFF2-40B4-BE49-F238E27FC236}">
+                <a16:creationId xmlns:a16="http://schemas.microsoft.com/office/drawing/2014/main" id="{AABF93B0-7B32-FC72-215C-98F8E32C8535}"/>
+              </a:ext>
+            </a:extLst>
+          </p:cNvPr>
+          <p:cNvSpPr/>
+          <p:nvPr/>
+        </p:nvSpPr>
+        <p:spPr>
+          <a:xfrm rot="12685785">
+            <a:off x="3962218" y="1240193"/>
+            <a:ext cx="158554" cy="696911"/>
+          </a:xfrm>
+          <a:prstGeom prst="roundRect">
+            <a:avLst>
+              <a:gd name="adj" fmla="val 47121"/>
+            </a:avLst>
+          </a:prstGeom>
+          <a:solidFill>
+            <a:srgbClr val="C00000"/>
+          </a:solidFill>
+          <a:ln>
+            <a:noFill/>
+          </a:ln>
+        </p:spPr>
+        <p:style>
+          <a:lnRef idx="2">
+            <a:schemeClr val="accent1">
+              <a:shade val="15000"/>
+            </a:schemeClr>
+          </a:lnRef>
+          <a:fillRef idx="1">
+            <a:schemeClr val="accent1"/>
+          </a:fillRef>
+          <a:effectRef idx="0">
+            <a:schemeClr val="accent1"/>
+          </a:effectRef>
+          <a:fontRef idx="minor">
+            <a:schemeClr val="lt1"/>
+          </a:fontRef>
+        </p:style>
+        <p:txBody>
+          <a:bodyPr rtlCol="0" anchor="ctr"/>
+          <a:lstStyle/>
+          <a:p>
+            <a:pPr algn="ctr"/>
+            <a:endParaRPr lang="en-US"/>
+          </a:p>
+        </p:txBody>
+      </p:sp>
+      <p:sp>
+        <p:nvSpPr>
+          <p:cNvPr id="20" name="Rounded Rectangle 19">
+            <a:extLst>
+              <a:ext uri="{FF2B5EF4-FFF2-40B4-BE49-F238E27FC236}">
+                <a16:creationId xmlns:a16="http://schemas.microsoft.com/office/drawing/2014/main" id="{FBBD4151-DFB1-36EF-2AF3-A099916D5484}"/>
+              </a:ext>
+            </a:extLst>
+          </p:cNvPr>
+          <p:cNvSpPr/>
+          <p:nvPr/>
+        </p:nvSpPr>
+        <p:spPr>
+          <a:xfrm rot="9034228">
+            <a:off x="4265010" y="1284811"/>
+            <a:ext cx="158554" cy="696911"/>
+          </a:xfrm>
+          <a:prstGeom prst="roundRect">
+            <a:avLst>
+              <a:gd name="adj" fmla="val 47121"/>
+            </a:avLst>
+          </a:prstGeom>
+          <a:solidFill>
+            <a:srgbClr val="C00000"/>
+          </a:solidFill>
+          <a:ln>
+            <a:noFill/>
+          </a:ln>
+        </p:spPr>
+        <p:style>
+          <a:lnRef idx="2">
+            <a:schemeClr val="accent1">
+              <a:shade val="15000"/>
+            </a:schemeClr>
+          </a:lnRef>
+          <a:fillRef idx="1">
+            <a:schemeClr val="accent1"/>
+          </a:fillRef>
+          <a:effectRef idx="0">
+            <a:schemeClr val="accent1"/>
+          </a:effectRef>
+          <a:fontRef idx="minor">
+            <a:schemeClr val="lt1"/>
+          </a:fontRef>
+        </p:style>
+        <p:txBody>
+          <a:bodyPr rtlCol="0" anchor="ctr"/>
+          <a:lstStyle/>
+          <a:p>
+            <a:pPr algn="ctr"/>
+            <a:endParaRPr lang="en-US"/>
+          </a:p>
+        </p:txBody>
+      </p:sp>
+      <p:sp>
+        <p:nvSpPr>
+          <p:cNvPr id="21" name="Rounded Rectangle 20">
+            <a:extLst>
+              <a:ext uri="{FF2B5EF4-FFF2-40B4-BE49-F238E27FC236}">
+                <a16:creationId xmlns:a16="http://schemas.microsoft.com/office/drawing/2014/main" id="{FF9321CF-2FFD-A516-5514-91F8403F93B5}"/>
+              </a:ext>
+            </a:extLst>
+          </p:cNvPr>
+          <p:cNvSpPr/>
+          <p:nvPr/>
+        </p:nvSpPr>
+        <p:spPr>
+          <a:xfrm rot="5400000">
+            <a:off x="3956528" y="1654866"/>
+            <a:ext cx="160380" cy="466211"/>
+          </a:xfrm>
+          <a:prstGeom prst="roundRect">
+            <a:avLst>
+              <a:gd name="adj" fmla="val 47121"/>
+            </a:avLst>
+          </a:prstGeom>
+          <a:solidFill>
+            <a:srgbClr val="C00000"/>
+          </a:solidFill>
+          <a:ln>
+            <a:noFill/>
+          </a:ln>
+        </p:spPr>
+        <p:style>
+          <a:lnRef idx="2">
+            <a:schemeClr val="accent1">
+              <a:shade val="15000"/>
+            </a:schemeClr>
+          </a:lnRef>
+          <a:fillRef idx="1">
+            <a:schemeClr val="accent1"/>
+          </a:fillRef>
+          <a:effectRef idx="0">
+            <a:schemeClr val="accent1"/>
+          </a:effectRef>
+          <a:fontRef idx="minor">
+            <a:schemeClr val="lt1"/>
+          </a:fontRef>
+        </p:style>
+        <p:txBody>
+          <a:bodyPr rtlCol="0" anchor="ctr"/>
+          <a:lstStyle/>
+          <a:p>
+            <a:pPr algn="ctr"/>
+            <a:endParaRPr lang="en-US"/>
+          </a:p>
+        </p:txBody>
+      </p:sp>
+      <p:sp>
+        <p:nvSpPr>
+          <p:cNvPr id="22" name="Rounded Rectangle 21">
+            <a:extLst>
+              <a:ext uri="{FF2B5EF4-FFF2-40B4-BE49-F238E27FC236}">
+                <a16:creationId xmlns:a16="http://schemas.microsoft.com/office/drawing/2014/main" id="{5D98B621-2514-41CD-BA8A-AF1C893898D5}"/>
+              </a:ext>
+            </a:extLst>
+          </p:cNvPr>
+          <p:cNvSpPr/>
+          <p:nvPr/>
+        </p:nvSpPr>
+        <p:spPr>
+          <a:xfrm rot="5400000">
+            <a:off x="4488563" y="1075097"/>
+            <a:ext cx="205436" cy="157861"/>
+          </a:xfrm>
+          <a:prstGeom prst="roundRect">
+            <a:avLst>
+              <a:gd name="adj" fmla="val 47121"/>
+            </a:avLst>
+          </a:prstGeom>
+          <a:solidFill>
+            <a:srgbClr val="C00000"/>
+          </a:solidFill>
+          <a:ln>
+            <a:noFill/>
+          </a:ln>
+        </p:spPr>
+        <p:style>
+          <a:lnRef idx="2">
+            <a:schemeClr val="accent1">
+              <a:shade val="15000"/>
+            </a:schemeClr>
+          </a:lnRef>
+          <a:fillRef idx="1">
+            <a:schemeClr val="accent1"/>
+          </a:fillRef>
+          <a:effectRef idx="0">
+            <a:schemeClr val="accent1"/>
+          </a:effectRef>
+          <a:fontRef idx="minor">
+            <a:schemeClr val="lt1"/>
+          </a:fontRef>
+        </p:style>
+        <p:txBody>
+          <a:bodyPr rtlCol="0" anchor="ctr"/>
+          <a:lstStyle/>
+          <a:p>
+            <a:pPr algn="ctr"/>
+            <a:endParaRPr lang="en-US"/>
           </a:p>
         </p:txBody>
       </p:sp>
